--- a/Capstone1_Project_Presentation_LLv.pptx
+++ b/Capstone1_Project_Presentation_LLv.pptx
@@ -11588,66 +11588,6 @@
           </a:p>
         </p:txBody>
       </p:sp>
-      <p:pic>
-        <p:nvPicPr>
-          <p:cNvPr id="4" name="Picture 3" descr="A picture containing text&#10;&#10;Description automatically generated">
-            <a:extLst>
-              <a:ext uri="{FF2B5EF4-FFF2-40B4-BE49-F238E27FC236}">
-                <a16:creationId xmlns:a16="http://schemas.microsoft.com/office/drawing/2014/main" id="{1A4831F6-5B1E-440C-8FDB-53588348E3CB}"/>
-              </a:ext>
-            </a:extLst>
-          </p:cNvPr>
-          <p:cNvPicPr>
-            <a:picLocks noChangeAspect="1"/>
-          </p:cNvPicPr>
-          <p:nvPr/>
-        </p:nvPicPr>
-        <p:blipFill>
-          <a:blip r:embed="rId3"/>
-          <a:stretch>
-            <a:fillRect/>
-          </a:stretch>
-        </p:blipFill>
-        <p:spPr>
-          <a:xfrm>
-            <a:off x="1362456" y="1981121"/>
-            <a:ext cx="2150647" cy="3240601"/>
-          </a:xfrm>
-          <a:prstGeom prst="rect">
-            <a:avLst/>
-          </a:prstGeom>
-        </p:spPr>
-      </p:pic>
-      <p:pic>
-        <p:nvPicPr>
-          <p:cNvPr id="6" name="Picture 5" descr="A map of the world&#10;&#10;Description automatically generated with medium confidence">
-            <a:extLst>
-              <a:ext uri="{FF2B5EF4-FFF2-40B4-BE49-F238E27FC236}">
-                <a16:creationId xmlns:a16="http://schemas.microsoft.com/office/drawing/2014/main" id="{E9335B6B-74B9-439F-8E70-E0EE8E4058C3}"/>
-              </a:ext>
-            </a:extLst>
-          </p:cNvPr>
-          <p:cNvPicPr>
-            <a:picLocks noChangeAspect="1"/>
-          </p:cNvPicPr>
-          <p:nvPr/>
-        </p:nvPicPr>
-        <p:blipFill>
-          <a:blip r:embed="rId3"/>
-          <a:stretch>
-            <a:fillRect/>
-          </a:stretch>
-        </p:blipFill>
-        <p:spPr>
-          <a:xfrm>
-            <a:off x="3866741" y="1316053"/>
-            <a:ext cx="5744306" cy="4570739"/>
-          </a:xfrm>
-          <a:prstGeom prst="rect">
-            <a:avLst/>
-          </a:prstGeom>
-        </p:spPr>
-      </p:pic>
       <p:sp>
         <p:nvSpPr>
           <p:cNvPr id="5" name="TextBox 4">
@@ -11751,42 +11691,6 @@
           </a:p>
         </p:txBody>
       </p:sp>
-      <p:pic>
-        <p:nvPicPr>
-          <p:cNvPr id="6" name="Picture 5" descr="A picture containing text, candelabrum&#10;&#10;Description automatically generated">
-            <a:extLst>
-              <a:ext uri="{FF2B5EF4-FFF2-40B4-BE49-F238E27FC236}">
-                <a16:creationId xmlns:a16="http://schemas.microsoft.com/office/drawing/2014/main" id="{EDF232AF-E2B0-440C-B040-3E2AD9CF8F03}"/>
-              </a:ext>
-            </a:extLst>
-          </p:cNvPr>
-          <p:cNvPicPr>
-            <a:picLocks noChangeAspect="1"/>
-          </p:cNvPicPr>
-          <p:nvPr/>
-        </p:nvPicPr>
-        <p:blipFill>
-          <a:blip r:embed="rId3">
-            <a:extLst>
-              <a:ext uri="{28A0092B-C50C-407E-A947-70E740481C1C}">
-                <a14:useLocalDpi xmlns:a14="http://schemas.microsoft.com/office/drawing/2010/main" val="0"/>
-              </a:ext>
-            </a:extLst>
-          </a:blip>
-          <a:stretch>
-            <a:fillRect/>
-          </a:stretch>
-        </p:blipFill>
-        <p:spPr>
-          <a:xfrm>
-            <a:off x="0" y="1260439"/>
-            <a:ext cx="12192000" cy="4064000"/>
-          </a:xfrm>
-          <a:prstGeom prst="rect">
-            <a:avLst/>
-          </a:prstGeom>
-        </p:spPr>
-      </p:pic>
       <p:sp>
         <p:nvSpPr>
           <p:cNvPr id="3" name="TextBox 2">
@@ -11822,6 +11726,42 @@
           </a:p>
         </p:txBody>
       </p:sp>
+      <p:pic>
+        <p:nvPicPr>
+          <p:cNvPr id="5" name="Picture 4" descr="Graphical user interface&#10;&#10;Description automatically generated">
+            <a:extLst>
+              <a:ext uri="{FF2B5EF4-FFF2-40B4-BE49-F238E27FC236}">
+                <a16:creationId xmlns:a16="http://schemas.microsoft.com/office/drawing/2014/main" id="{DC7388D0-66FB-C744-815C-32AA03F06029}"/>
+              </a:ext>
+            </a:extLst>
+          </p:cNvPr>
+          <p:cNvPicPr>
+            <a:picLocks noChangeAspect="1"/>
+          </p:cNvPicPr>
+          <p:nvPr/>
+        </p:nvPicPr>
+        <p:blipFill>
+          <a:blip r:embed="rId3">
+            <a:extLst>
+              <a:ext uri="{28A0092B-C50C-407E-A947-70E740481C1C}">
+                <a14:useLocalDpi xmlns:a14="http://schemas.microsoft.com/office/drawing/2010/main" val="0"/>
+              </a:ext>
+            </a:extLst>
+          </a:blip>
+          <a:stretch>
+            <a:fillRect/>
+          </a:stretch>
+        </p:blipFill>
+        <p:spPr>
+          <a:xfrm>
+            <a:off x="0" y="1397000"/>
+            <a:ext cx="12192000" cy="4064000"/>
+          </a:xfrm>
+          <a:prstGeom prst="rect">
+            <a:avLst/>
+          </a:prstGeom>
+        </p:spPr>
+      </p:pic>
     </p:spTree>
     <p:extLst>
       <p:ext uri="{BB962C8B-B14F-4D97-AF65-F5344CB8AC3E}">
@@ -11890,12 +11830,47 @@
           </a:p>
         </p:txBody>
       </p:sp>
+      <p:sp>
+        <p:nvSpPr>
+          <p:cNvPr id="4" name="TextBox 3">
+            <a:extLst>
+              <a:ext uri="{FF2B5EF4-FFF2-40B4-BE49-F238E27FC236}">
+                <a16:creationId xmlns:a16="http://schemas.microsoft.com/office/drawing/2014/main" id="{799FFC39-2E69-A344-B3F9-1310CC7E70FA}"/>
+              </a:ext>
+            </a:extLst>
+          </p:cNvPr>
+          <p:cNvSpPr txBox="1"/>
+          <p:nvPr/>
+        </p:nvSpPr>
+        <p:spPr>
+          <a:xfrm>
+            <a:off x="1097280" y="512064"/>
+            <a:ext cx="7095744" cy="584775"/>
+          </a:xfrm>
+          <a:prstGeom prst="rect">
+            <a:avLst/>
+          </a:prstGeom>
+          <a:noFill/>
+        </p:spPr>
+        <p:txBody>
+          <a:bodyPr wrap="square" rtlCol="0">
+            <a:spAutoFit/>
+          </a:bodyPr>
+          <a:lstStyle/>
+          <a:p>
+            <a:r>
+              <a:rPr lang="en-US" sz="3200" b="1" dirty="0"/>
+              <a:t>Exploratory Data Analysis (EDA)</a:t>
+            </a:r>
+          </a:p>
+        </p:txBody>
+      </p:sp>
       <p:pic>
         <p:nvPicPr>
-          <p:cNvPr id="8" name="Picture 7" descr="Chart&#10;&#10;Description automatically generated">
-            <a:extLst>
-              <a:ext uri="{FF2B5EF4-FFF2-40B4-BE49-F238E27FC236}">
-                <a16:creationId xmlns:a16="http://schemas.microsoft.com/office/drawing/2014/main" id="{2F33DE95-5DBA-4804-88BD-5462F8321CC8}"/>
+          <p:cNvPr id="5" name="Picture 4" descr="A screenshot of a computer&#10;&#10;Description automatically generated with low confidence">
+            <a:extLst>
+              <a:ext uri="{FF2B5EF4-FFF2-40B4-BE49-F238E27FC236}">
+                <a16:creationId xmlns:a16="http://schemas.microsoft.com/office/drawing/2014/main" id="{AAC2C182-AD84-F945-A4BB-0675CD8670B9}"/>
               </a:ext>
             </a:extLst>
           </p:cNvPr>
@@ -11926,41 +11901,6 @@
           </a:prstGeom>
         </p:spPr>
       </p:pic>
-      <p:sp>
-        <p:nvSpPr>
-          <p:cNvPr id="4" name="TextBox 3">
-            <a:extLst>
-              <a:ext uri="{FF2B5EF4-FFF2-40B4-BE49-F238E27FC236}">
-                <a16:creationId xmlns:a16="http://schemas.microsoft.com/office/drawing/2014/main" id="{799FFC39-2E69-A344-B3F9-1310CC7E70FA}"/>
-              </a:ext>
-            </a:extLst>
-          </p:cNvPr>
-          <p:cNvSpPr txBox="1"/>
-          <p:nvPr/>
-        </p:nvSpPr>
-        <p:spPr>
-          <a:xfrm>
-            <a:off x="1097280" y="512064"/>
-            <a:ext cx="7095744" cy="584775"/>
-          </a:xfrm>
-          <a:prstGeom prst="rect">
-            <a:avLst/>
-          </a:prstGeom>
-          <a:noFill/>
-        </p:spPr>
-        <p:txBody>
-          <a:bodyPr wrap="square" rtlCol="0">
-            <a:spAutoFit/>
-          </a:bodyPr>
-          <a:lstStyle/>
-          <a:p>
-            <a:r>
-              <a:rPr lang="en-US" sz="3200" b="1" dirty="0"/>
-              <a:t>Exploratory Data Analysis (EDA)</a:t>
-            </a:r>
-          </a:p>
-        </p:txBody>
-      </p:sp>
     </p:spTree>
     <p:extLst>
       <p:ext uri="{BB962C8B-B14F-4D97-AF65-F5344CB8AC3E}">
@@ -12029,42 +11969,6 @@
           </a:p>
         </p:txBody>
       </p:sp>
-      <p:pic>
-        <p:nvPicPr>
-          <p:cNvPr id="4" name="Picture 3" descr="Chart, line chart&#10;&#10;Description automatically generated">
-            <a:extLst>
-              <a:ext uri="{FF2B5EF4-FFF2-40B4-BE49-F238E27FC236}">
-                <a16:creationId xmlns:a16="http://schemas.microsoft.com/office/drawing/2014/main" id="{07FE90DC-3277-4C30-949E-80A408939F35}"/>
-              </a:ext>
-            </a:extLst>
-          </p:cNvPr>
-          <p:cNvPicPr>
-            <a:picLocks noChangeAspect="1"/>
-          </p:cNvPicPr>
-          <p:nvPr/>
-        </p:nvPicPr>
-        <p:blipFill>
-          <a:blip r:embed="rId3">
-            <a:extLst>
-              <a:ext uri="{28A0092B-C50C-407E-A947-70E740481C1C}">
-                <a14:useLocalDpi xmlns:a14="http://schemas.microsoft.com/office/drawing/2010/main" val="0"/>
-              </a:ext>
-            </a:extLst>
-          </a:blip>
-          <a:stretch>
-            <a:fillRect/>
-          </a:stretch>
-        </p:blipFill>
-        <p:spPr>
-          <a:xfrm>
-            <a:off x="2477456" y="1096839"/>
-            <a:ext cx="5539863" cy="4888114"/>
-          </a:xfrm>
-          <a:prstGeom prst="rect">
-            <a:avLst/>
-          </a:prstGeom>
-        </p:spPr>
-      </p:pic>
       <p:sp>
         <p:nvSpPr>
           <p:cNvPr id="5" name="TextBox 4">
@@ -12100,6 +12004,42 @@
           </a:p>
         </p:txBody>
       </p:sp>
+      <p:pic>
+        <p:nvPicPr>
+          <p:cNvPr id="6" name="Picture 5" descr="Chart, line chart&#10;&#10;Description automatically generated">
+            <a:extLst>
+              <a:ext uri="{FF2B5EF4-FFF2-40B4-BE49-F238E27FC236}">
+                <a16:creationId xmlns:a16="http://schemas.microsoft.com/office/drawing/2014/main" id="{8FADE22F-B60F-0F4A-A3CC-F891B6A9BCD6}"/>
+              </a:ext>
+            </a:extLst>
+          </p:cNvPr>
+          <p:cNvPicPr>
+            <a:picLocks noChangeAspect="1"/>
+          </p:cNvPicPr>
+          <p:nvPr/>
+        </p:nvPicPr>
+        <p:blipFill>
+          <a:blip r:embed="rId3">
+            <a:extLst>
+              <a:ext uri="{28A0092B-C50C-407E-A947-70E740481C1C}">
+                <a14:useLocalDpi xmlns:a14="http://schemas.microsoft.com/office/drawing/2010/main" val="0"/>
+              </a:ext>
+            </a:extLst>
+          </a:blip>
+          <a:stretch>
+            <a:fillRect/>
+          </a:stretch>
+        </p:blipFill>
+        <p:spPr>
+          <a:xfrm>
+            <a:off x="2719588" y="1326021"/>
+            <a:ext cx="5181600" cy="4572000"/>
+          </a:xfrm>
+          <a:prstGeom prst="rect">
+            <a:avLst/>
+          </a:prstGeom>
+        </p:spPr>
+      </p:pic>
     </p:spTree>
     <p:extLst>
       <p:ext uri="{BB962C8B-B14F-4D97-AF65-F5344CB8AC3E}">
